--- a/SearchLab/blocksworld_lab_figures.pptx
+++ b/SearchLab/blocksworld_lab_figures.pptx
@@ -104,6 +104,11 @@
       </a:defRPr>
     </a:lvl9pPr>
   </p:defaultTextStyle>
+  <p:extLst>
+    <p:ext uri="{EFAFB233-063F-42B5-8137-9DF3F51BA10A}">
+      <p15:sldGuideLst xmlns:p15="http://schemas.microsoft.com/office/powerpoint/2012/main"/>
+    </p:ext>
+  </p:extLst>
 </p:presentation>
 </file>
 
@@ -254,7 +259,7 @@
           <a:p>
             <a:fld id="{D464A600-90C4-40A9-B17C-804B2FCFE634}" type="datetimeFigureOut">
               <a:rPr lang="en-US" smtClean="0"/>
-              <a:t>1/9/2019</a:t>
+              <a:t>1/13/2019</a:t>
             </a:fld>
             <a:endParaRPr lang="en-US"/>
           </a:p>
@@ -452,7 +457,7 @@
           <a:p>
             <a:fld id="{D464A600-90C4-40A9-B17C-804B2FCFE634}" type="datetimeFigureOut">
               <a:rPr lang="en-US" smtClean="0"/>
-              <a:t>1/9/2019</a:t>
+              <a:t>1/13/2019</a:t>
             </a:fld>
             <a:endParaRPr lang="en-US"/>
           </a:p>
@@ -660,7 +665,7 @@
           <a:p>
             <a:fld id="{D464A600-90C4-40A9-B17C-804B2FCFE634}" type="datetimeFigureOut">
               <a:rPr lang="en-US" smtClean="0"/>
-              <a:t>1/9/2019</a:t>
+              <a:t>1/13/2019</a:t>
             </a:fld>
             <a:endParaRPr lang="en-US"/>
           </a:p>
@@ -858,7 +863,7 @@
           <a:p>
             <a:fld id="{D464A600-90C4-40A9-B17C-804B2FCFE634}" type="datetimeFigureOut">
               <a:rPr lang="en-US" smtClean="0"/>
-              <a:t>1/9/2019</a:t>
+              <a:t>1/13/2019</a:t>
             </a:fld>
             <a:endParaRPr lang="en-US"/>
           </a:p>
@@ -1133,7 +1138,7 @@
           <a:p>
             <a:fld id="{D464A600-90C4-40A9-B17C-804B2FCFE634}" type="datetimeFigureOut">
               <a:rPr lang="en-US" smtClean="0"/>
-              <a:t>1/9/2019</a:t>
+              <a:t>1/13/2019</a:t>
             </a:fld>
             <a:endParaRPr lang="en-US"/>
           </a:p>
@@ -1398,7 +1403,7 @@
           <a:p>
             <a:fld id="{D464A600-90C4-40A9-B17C-804B2FCFE634}" type="datetimeFigureOut">
               <a:rPr lang="en-US" smtClean="0"/>
-              <a:t>1/9/2019</a:t>
+              <a:t>1/13/2019</a:t>
             </a:fld>
             <a:endParaRPr lang="en-US"/>
           </a:p>
@@ -1810,7 +1815,7 @@
           <a:p>
             <a:fld id="{D464A600-90C4-40A9-B17C-804B2FCFE634}" type="datetimeFigureOut">
               <a:rPr lang="en-US" smtClean="0"/>
-              <a:t>1/9/2019</a:t>
+              <a:t>1/13/2019</a:t>
             </a:fld>
             <a:endParaRPr lang="en-US"/>
           </a:p>
@@ -1951,7 +1956,7 @@
           <a:p>
             <a:fld id="{D464A600-90C4-40A9-B17C-804B2FCFE634}" type="datetimeFigureOut">
               <a:rPr lang="en-US" smtClean="0"/>
-              <a:t>1/9/2019</a:t>
+              <a:t>1/13/2019</a:t>
             </a:fld>
             <a:endParaRPr lang="en-US"/>
           </a:p>
@@ -2064,7 +2069,7 @@
           <a:p>
             <a:fld id="{D464A600-90C4-40A9-B17C-804B2FCFE634}" type="datetimeFigureOut">
               <a:rPr lang="en-US" smtClean="0"/>
-              <a:t>1/9/2019</a:t>
+              <a:t>1/13/2019</a:t>
             </a:fld>
             <a:endParaRPr lang="en-US"/>
           </a:p>
@@ -2375,7 +2380,7 @@
           <a:p>
             <a:fld id="{D464A600-90C4-40A9-B17C-804B2FCFE634}" type="datetimeFigureOut">
               <a:rPr lang="en-US" smtClean="0"/>
-              <a:t>1/9/2019</a:t>
+              <a:t>1/13/2019</a:t>
             </a:fld>
             <a:endParaRPr lang="en-US"/>
           </a:p>
@@ -2663,7 +2668,7 @@
           <a:p>
             <a:fld id="{D464A600-90C4-40A9-B17C-804B2FCFE634}" type="datetimeFigureOut">
               <a:rPr lang="en-US" smtClean="0"/>
-              <a:t>1/9/2019</a:t>
+              <a:t>1/13/2019</a:t>
             </a:fld>
             <a:endParaRPr lang="en-US"/>
           </a:p>
@@ -2904,7 +2909,7 @@
           <a:p>
             <a:fld id="{D464A600-90C4-40A9-B17C-804B2FCFE634}" type="datetimeFigureOut">
               <a:rPr lang="en-US" smtClean="0"/>
-              <a:t>1/9/2019</a:t>
+              <a:t>1/13/2019</a:t>
             </a:fld>
             <a:endParaRPr lang="en-US"/>
           </a:p>
@@ -4882,7 +4887,7 @@
         </p:nvSpPr>
         <p:spPr>
           <a:xfrm>
-            <a:off x="3862314" y="4681187"/>
+            <a:off x="3862314" y="3795077"/>
             <a:ext cx="360784" cy="317231"/>
           </a:xfrm>
           <a:prstGeom prst="rect">
@@ -4961,7 +4966,7 @@
             <a:pPr algn="ctr"/>
             <a:r>
               <a:rPr lang="en-US"/>
-              <a:t>C</a:t>
+              <a:t>H</a:t>
             </a:r>
           </a:p>
         </p:txBody>
@@ -5010,7 +5015,7 @@
             <a:pPr algn="ctr"/>
             <a:r>
               <a:rPr lang="en-US"/>
-              <a:t>D</a:t>
+              <a:t>F</a:t>
             </a:r>
           </a:p>
         </p:txBody>
@@ -5059,7 +5064,7 @@
             <a:pPr algn="ctr"/>
             <a:r>
               <a:rPr lang="en-US"/>
-              <a:t>E</a:t>
+              <a:t>G</a:t>
             </a:r>
           </a:p>
         </p:txBody>
@@ -5133,6 +5138,947 @@
               <a:t>Stack</a:t>
             </a:r>
             <a:endParaRPr lang="en-US"/>
+          </a:p>
+        </p:txBody>
+      </p:sp>
+      <p:sp>
+        <p:nvSpPr>
+          <p:cNvPr id="57" name="Rectangle 56">
+            <a:extLst>
+              <a:ext uri="{FF2B5EF4-FFF2-40B4-BE49-F238E27FC236}">
+                <a16:creationId xmlns:a16="http://schemas.microsoft.com/office/drawing/2014/main" id="{8D0C78A4-21E3-4297-B13A-ABCFCEEBA9CB}"/>
+              </a:ext>
+            </a:extLst>
+          </p:cNvPr>
+          <p:cNvSpPr/>
+          <p:nvPr/>
+        </p:nvSpPr>
+        <p:spPr>
+          <a:xfrm>
+            <a:off x="968027" y="4663435"/>
+            <a:ext cx="360784" cy="317231"/>
+          </a:xfrm>
+          <a:prstGeom prst="rect">
+            <a:avLst/>
+          </a:prstGeom>
+        </p:spPr>
+        <p:style>
+          <a:lnRef idx="2">
+            <a:schemeClr val="accent1">
+              <a:shade val="50000"/>
+            </a:schemeClr>
+          </a:lnRef>
+          <a:fillRef idx="1">
+            <a:schemeClr val="accent1"/>
+          </a:fillRef>
+          <a:effectRef idx="0">
+            <a:schemeClr val="accent1"/>
+          </a:effectRef>
+          <a:fontRef idx="minor">
+            <a:schemeClr val="lt1"/>
+          </a:fontRef>
+        </p:style>
+        <p:txBody>
+          <a:bodyPr rtlCol="0" anchor="ctr"/>
+          <a:lstStyle/>
+          <a:p>
+            <a:pPr algn="ctr"/>
+            <a:r>
+              <a:rPr lang="en-US"/>
+              <a:t>E</a:t>
+            </a:r>
+          </a:p>
+        </p:txBody>
+      </p:sp>
+      <p:sp>
+        <p:nvSpPr>
+          <p:cNvPr id="58" name="Rectangle 57">
+            <a:extLst>
+              <a:ext uri="{FF2B5EF4-FFF2-40B4-BE49-F238E27FC236}">
+                <a16:creationId xmlns:a16="http://schemas.microsoft.com/office/drawing/2014/main" id="{D28469EB-D7F6-41D5-A1E9-182B15E67B55}"/>
+              </a:ext>
+            </a:extLst>
+          </p:cNvPr>
+          <p:cNvSpPr/>
+          <p:nvPr/>
+        </p:nvSpPr>
+        <p:spPr>
+          <a:xfrm>
+            <a:off x="3862314" y="4641255"/>
+            <a:ext cx="360784" cy="317231"/>
+          </a:xfrm>
+          <a:prstGeom prst="rect">
+            <a:avLst/>
+          </a:prstGeom>
+        </p:spPr>
+        <p:style>
+          <a:lnRef idx="2">
+            <a:schemeClr val="accent1">
+              <a:shade val="50000"/>
+            </a:schemeClr>
+          </a:lnRef>
+          <a:fillRef idx="1">
+            <a:schemeClr val="accent1"/>
+          </a:fillRef>
+          <a:effectRef idx="0">
+            <a:schemeClr val="accent1"/>
+          </a:effectRef>
+          <a:fontRef idx="minor">
+            <a:schemeClr val="lt1"/>
+          </a:fontRef>
+        </p:style>
+        <p:txBody>
+          <a:bodyPr rtlCol="0" anchor="ctr"/>
+          <a:lstStyle/>
+          <a:p>
+            <a:pPr algn="ctr"/>
+            <a:r>
+              <a:rPr lang="en-US"/>
+              <a:t>C</a:t>
+            </a:r>
+          </a:p>
+        </p:txBody>
+      </p:sp>
+      <p:sp>
+        <p:nvSpPr>
+          <p:cNvPr id="59" name="Rectangle 58">
+            <a:extLst>
+              <a:ext uri="{FF2B5EF4-FFF2-40B4-BE49-F238E27FC236}">
+                <a16:creationId xmlns:a16="http://schemas.microsoft.com/office/drawing/2014/main" id="{FD0A321A-8A4F-4A78-8B12-1572B913C708}"/>
+              </a:ext>
+            </a:extLst>
+          </p:cNvPr>
+          <p:cNvSpPr/>
+          <p:nvPr/>
+        </p:nvSpPr>
+        <p:spPr>
+          <a:xfrm>
+            <a:off x="5585102" y="3580964"/>
+            <a:ext cx="3828997" cy="1942029"/>
+          </a:xfrm>
+          <a:prstGeom prst="rect">
+            <a:avLst/>
+          </a:prstGeom>
+          <a:noFill/>
+        </p:spPr>
+        <p:style>
+          <a:lnRef idx="2">
+            <a:schemeClr val="accent1">
+              <a:shade val="50000"/>
+            </a:schemeClr>
+          </a:lnRef>
+          <a:fillRef idx="1">
+            <a:schemeClr val="accent1"/>
+          </a:fillRef>
+          <a:effectRef idx="0">
+            <a:schemeClr val="accent1"/>
+          </a:effectRef>
+          <a:fontRef idx="minor">
+            <a:schemeClr val="lt1"/>
+          </a:fontRef>
+        </p:style>
+        <p:txBody>
+          <a:bodyPr rtlCol="0" anchor="ctr"/>
+          <a:lstStyle/>
+          <a:p>
+            <a:pPr algn="ctr"/>
+            <a:endParaRPr lang="en-US"/>
+          </a:p>
+        </p:txBody>
+      </p:sp>
+      <p:cxnSp>
+        <p:nvCxnSpPr>
+          <p:cNvPr id="60" name="Straight Connector 59">
+            <a:extLst>
+              <a:ext uri="{FF2B5EF4-FFF2-40B4-BE49-F238E27FC236}">
+                <a16:creationId xmlns:a16="http://schemas.microsoft.com/office/drawing/2014/main" id="{3CC9D0CE-3C89-4824-8123-8F48F6E7BB97}"/>
+              </a:ext>
+            </a:extLst>
+          </p:cNvPr>
+          <p:cNvCxnSpPr>
+            <a:cxnSpLocks/>
+          </p:cNvCxnSpPr>
+          <p:nvPr/>
+        </p:nvCxnSpPr>
+        <p:spPr>
+          <a:xfrm>
+            <a:off x="5877797" y="5027209"/>
+            <a:ext cx="2090058" cy="0"/>
+          </a:xfrm>
+          <a:prstGeom prst="line">
+            <a:avLst/>
+          </a:prstGeom>
+        </p:spPr>
+        <p:style>
+          <a:lnRef idx="1">
+            <a:schemeClr val="accent1"/>
+          </a:lnRef>
+          <a:fillRef idx="0">
+            <a:schemeClr val="accent1"/>
+          </a:fillRef>
+          <a:effectRef idx="0">
+            <a:schemeClr val="accent1"/>
+          </a:effectRef>
+          <a:fontRef idx="minor">
+            <a:schemeClr val="tx1"/>
+          </a:fontRef>
+        </p:style>
+      </p:cxnSp>
+      <p:cxnSp>
+        <p:nvCxnSpPr>
+          <p:cNvPr id="61" name="Straight Connector 60">
+            <a:extLst>
+              <a:ext uri="{FF2B5EF4-FFF2-40B4-BE49-F238E27FC236}">
+                <a16:creationId xmlns:a16="http://schemas.microsoft.com/office/drawing/2014/main" id="{3971B1A1-2151-48B2-AE6D-2F78D75EABFA}"/>
+              </a:ext>
+            </a:extLst>
+          </p:cNvPr>
+          <p:cNvCxnSpPr>
+            <a:cxnSpLocks/>
+          </p:cNvCxnSpPr>
+          <p:nvPr/>
+        </p:nvCxnSpPr>
+        <p:spPr>
+          <a:xfrm>
+            <a:off x="8685092" y="5027209"/>
+            <a:ext cx="575387" cy="0"/>
+          </a:xfrm>
+          <a:prstGeom prst="line">
+            <a:avLst/>
+          </a:prstGeom>
+        </p:spPr>
+        <p:style>
+          <a:lnRef idx="1">
+            <a:schemeClr val="accent1"/>
+          </a:lnRef>
+          <a:fillRef idx="0">
+            <a:schemeClr val="accent1"/>
+          </a:fillRef>
+          <a:effectRef idx="0">
+            <a:schemeClr val="accent1"/>
+          </a:effectRef>
+          <a:fontRef idx="minor">
+            <a:schemeClr val="tx1"/>
+          </a:fontRef>
+        </p:style>
+      </p:cxnSp>
+      <p:grpSp>
+        <p:nvGrpSpPr>
+          <p:cNvPr id="62" name="Group 61">
+            <a:extLst>
+              <a:ext uri="{FF2B5EF4-FFF2-40B4-BE49-F238E27FC236}">
+                <a16:creationId xmlns:a16="http://schemas.microsoft.com/office/drawing/2014/main" id="{4E73791B-F1A0-4CFC-82E4-AF2F520B1B10}"/>
+              </a:ext>
+            </a:extLst>
+          </p:cNvPr>
+          <p:cNvGrpSpPr/>
+          <p:nvPr/>
+        </p:nvGrpSpPr>
+        <p:grpSpPr>
+          <a:xfrm>
+            <a:off x="6800812" y="3783716"/>
+            <a:ext cx="401216" cy="345232"/>
+            <a:chOff x="1352939" y="559837"/>
+            <a:chExt cx="401216" cy="345232"/>
+          </a:xfrm>
+        </p:grpSpPr>
+        <p:cxnSp>
+          <p:nvCxnSpPr>
+            <p:cNvPr id="63" name="Straight Connector 62">
+              <a:extLst>
+                <a:ext uri="{FF2B5EF4-FFF2-40B4-BE49-F238E27FC236}">
+                  <a16:creationId xmlns:a16="http://schemas.microsoft.com/office/drawing/2014/main" id="{C44D857C-4EEE-48AA-825D-65EE730F6A1E}"/>
+                </a:ext>
+              </a:extLst>
+            </p:cNvPr>
+            <p:cNvCxnSpPr/>
+            <p:nvPr/>
+          </p:nvCxnSpPr>
+          <p:spPr>
+            <a:xfrm>
+              <a:off x="1576873" y="559837"/>
+              <a:ext cx="0" cy="223934"/>
+            </a:xfrm>
+            <a:prstGeom prst="line">
+              <a:avLst/>
+            </a:prstGeom>
+          </p:spPr>
+          <p:style>
+            <a:lnRef idx="1">
+              <a:schemeClr val="accent1"/>
+            </a:lnRef>
+            <a:fillRef idx="0">
+              <a:schemeClr val="accent1"/>
+            </a:fillRef>
+            <a:effectRef idx="0">
+              <a:schemeClr val="accent1"/>
+            </a:effectRef>
+            <a:fontRef idx="minor">
+              <a:schemeClr val="tx1"/>
+            </a:fontRef>
+          </p:style>
+        </p:cxnSp>
+        <p:cxnSp>
+          <p:nvCxnSpPr>
+            <p:cNvPr id="64" name="Straight Connector 63">
+              <a:extLst>
+                <a:ext uri="{FF2B5EF4-FFF2-40B4-BE49-F238E27FC236}">
+                  <a16:creationId xmlns:a16="http://schemas.microsoft.com/office/drawing/2014/main" id="{7CB316EB-F4EB-439B-BCAC-9204E41A17EB}"/>
+                </a:ext>
+              </a:extLst>
+            </p:cNvPr>
+            <p:cNvCxnSpPr/>
+            <p:nvPr/>
+          </p:nvCxnSpPr>
+          <p:spPr>
+            <a:xfrm>
+              <a:off x="1352939" y="783771"/>
+              <a:ext cx="401216" cy="0"/>
+            </a:xfrm>
+            <a:prstGeom prst="line">
+              <a:avLst/>
+            </a:prstGeom>
+          </p:spPr>
+          <p:style>
+            <a:lnRef idx="1">
+              <a:schemeClr val="accent1"/>
+            </a:lnRef>
+            <a:fillRef idx="0">
+              <a:schemeClr val="accent1"/>
+            </a:fillRef>
+            <a:effectRef idx="0">
+              <a:schemeClr val="accent1"/>
+            </a:effectRef>
+            <a:fontRef idx="minor">
+              <a:schemeClr val="tx1"/>
+            </a:fontRef>
+          </p:style>
+        </p:cxnSp>
+        <p:cxnSp>
+          <p:nvCxnSpPr>
+            <p:cNvPr id="65" name="Straight Connector 64">
+              <a:extLst>
+                <a:ext uri="{FF2B5EF4-FFF2-40B4-BE49-F238E27FC236}">
+                  <a16:creationId xmlns:a16="http://schemas.microsoft.com/office/drawing/2014/main" id="{DA46210A-FB9B-4330-83C6-7575F0C3D7EF}"/>
+                </a:ext>
+              </a:extLst>
+            </p:cNvPr>
+            <p:cNvCxnSpPr/>
+            <p:nvPr/>
+          </p:nvCxnSpPr>
+          <p:spPr>
+            <a:xfrm>
+              <a:off x="1754155" y="783771"/>
+              <a:ext cx="0" cy="121298"/>
+            </a:xfrm>
+            <a:prstGeom prst="line">
+              <a:avLst/>
+            </a:prstGeom>
+          </p:spPr>
+          <p:style>
+            <a:lnRef idx="1">
+              <a:schemeClr val="accent1"/>
+            </a:lnRef>
+            <a:fillRef idx="0">
+              <a:schemeClr val="accent1"/>
+            </a:fillRef>
+            <a:effectRef idx="0">
+              <a:schemeClr val="accent1"/>
+            </a:effectRef>
+            <a:fontRef idx="minor">
+              <a:schemeClr val="tx1"/>
+            </a:fontRef>
+          </p:style>
+        </p:cxnSp>
+        <p:cxnSp>
+          <p:nvCxnSpPr>
+            <p:cNvPr id="66" name="Straight Connector 65">
+              <a:extLst>
+                <a:ext uri="{FF2B5EF4-FFF2-40B4-BE49-F238E27FC236}">
+                  <a16:creationId xmlns:a16="http://schemas.microsoft.com/office/drawing/2014/main" id="{DCF0E299-E5FB-4563-AA58-95275D018C99}"/>
+                </a:ext>
+              </a:extLst>
+            </p:cNvPr>
+            <p:cNvCxnSpPr/>
+            <p:nvPr/>
+          </p:nvCxnSpPr>
+          <p:spPr>
+            <a:xfrm>
+              <a:off x="1352939" y="783771"/>
+              <a:ext cx="0" cy="121298"/>
+            </a:xfrm>
+            <a:prstGeom prst="line">
+              <a:avLst/>
+            </a:prstGeom>
+          </p:spPr>
+          <p:style>
+            <a:lnRef idx="1">
+              <a:schemeClr val="accent1"/>
+            </a:lnRef>
+            <a:fillRef idx="0">
+              <a:schemeClr val="accent1"/>
+            </a:fillRef>
+            <a:effectRef idx="0">
+              <a:schemeClr val="accent1"/>
+            </a:effectRef>
+            <a:fontRef idx="minor">
+              <a:schemeClr val="tx1"/>
+            </a:fontRef>
+          </p:style>
+        </p:cxnSp>
+      </p:grpSp>
+      <p:sp>
+        <p:nvSpPr>
+          <p:cNvPr id="67" name="Rectangle 66">
+            <a:extLst>
+              <a:ext uri="{FF2B5EF4-FFF2-40B4-BE49-F238E27FC236}">
+                <a16:creationId xmlns:a16="http://schemas.microsoft.com/office/drawing/2014/main" id="{3F69E8C1-7A0D-4486-93AF-BF8CCF687D33}"/>
+              </a:ext>
+            </a:extLst>
+          </p:cNvPr>
+          <p:cNvSpPr/>
+          <p:nvPr/>
+        </p:nvSpPr>
+        <p:spPr>
+          <a:xfrm>
+            <a:off x="8788389" y="4194815"/>
+            <a:ext cx="360784" cy="317231"/>
+          </a:xfrm>
+          <a:prstGeom prst="rect">
+            <a:avLst/>
+          </a:prstGeom>
+        </p:spPr>
+        <p:style>
+          <a:lnRef idx="2">
+            <a:schemeClr val="accent1">
+              <a:shade val="50000"/>
+            </a:schemeClr>
+          </a:lnRef>
+          <a:fillRef idx="1">
+            <a:schemeClr val="accent1"/>
+          </a:fillRef>
+          <a:effectRef idx="0">
+            <a:schemeClr val="accent1"/>
+          </a:effectRef>
+          <a:fontRef idx="minor">
+            <a:schemeClr val="lt1"/>
+          </a:fontRef>
+        </p:style>
+        <p:txBody>
+          <a:bodyPr rtlCol="0" anchor="ctr"/>
+          <a:lstStyle/>
+          <a:p>
+            <a:pPr algn="ctr"/>
+            <a:r>
+              <a:rPr lang="en-US"/>
+              <a:t>B</a:t>
+            </a:r>
+          </a:p>
+        </p:txBody>
+      </p:sp>
+      <p:sp>
+        <p:nvSpPr>
+          <p:cNvPr id="68" name="Rectangle 67">
+            <a:extLst>
+              <a:ext uri="{FF2B5EF4-FFF2-40B4-BE49-F238E27FC236}">
+                <a16:creationId xmlns:a16="http://schemas.microsoft.com/office/drawing/2014/main" id="{A98402E8-F971-46BF-9AFB-3C4DAF371365}"/>
+              </a:ext>
+            </a:extLst>
+          </p:cNvPr>
+          <p:cNvSpPr/>
+          <p:nvPr/>
+        </p:nvSpPr>
+        <p:spPr>
+          <a:xfrm>
+            <a:off x="8788389" y="3755144"/>
+            <a:ext cx="360784" cy="317231"/>
+          </a:xfrm>
+          <a:prstGeom prst="rect">
+            <a:avLst/>
+          </a:prstGeom>
+        </p:spPr>
+        <p:style>
+          <a:lnRef idx="2">
+            <a:schemeClr val="accent1">
+              <a:shade val="50000"/>
+            </a:schemeClr>
+          </a:lnRef>
+          <a:fillRef idx="1">
+            <a:schemeClr val="accent1"/>
+          </a:fillRef>
+          <a:effectRef idx="0">
+            <a:schemeClr val="accent1"/>
+          </a:effectRef>
+          <a:fontRef idx="minor">
+            <a:schemeClr val="lt1"/>
+          </a:fontRef>
+        </p:style>
+        <p:txBody>
+          <a:bodyPr rtlCol="0" anchor="ctr"/>
+          <a:lstStyle/>
+          <a:p>
+            <a:pPr algn="ctr"/>
+            <a:r>
+              <a:rPr lang="en-US"/>
+              <a:t>C</a:t>
+            </a:r>
+          </a:p>
+        </p:txBody>
+      </p:sp>
+      <p:sp>
+        <p:nvSpPr>
+          <p:cNvPr id="69" name="Rectangle 68">
+            <a:extLst>
+              <a:ext uri="{FF2B5EF4-FFF2-40B4-BE49-F238E27FC236}">
+                <a16:creationId xmlns:a16="http://schemas.microsoft.com/office/drawing/2014/main" id="{347F7FE0-3CB4-405A-BD84-1F91801B52A5}"/>
+              </a:ext>
+            </a:extLst>
+          </p:cNvPr>
+          <p:cNvSpPr/>
+          <p:nvPr/>
+        </p:nvSpPr>
+        <p:spPr>
+          <a:xfrm>
+            <a:off x="7454468" y="4623503"/>
+            <a:ext cx="360784" cy="317231"/>
+          </a:xfrm>
+          <a:prstGeom prst="rect">
+            <a:avLst/>
+          </a:prstGeom>
+        </p:spPr>
+        <p:style>
+          <a:lnRef idx="2">
+            <a:schemeClr val="accent1">
+              <a:shade val="50000"/>
+            </a:schemeClr>
+          </a:lnRef>
+          <a:fillRef idx="1">
+            <a:schemeClr val="accent1"/>
+          </a:fillRef>
+          <a:effectRef idx="0">
+            <a:schemeClr val="accent1"/>
+          </a:effectRef>
+          <a:fontRef idx="minor">
+            <a:schemeClr val="lt1"/>
+          </a:fontRef>
+        </p:style>
+        <p:txBody>
+          <a:bodyPr rtlCol="0" anchor="ctr"/>
+          <a:lstStyle/>
+          <a:p>
+            <a:pPr algn="ctr"/>
+            <a:r>
+              <a:rPr lang="en-US"/>
+              <a:t>H</a:t>
+            </a:r>
+          </a:p>
+        </p:txBody>
+      </p:sp>
+      <p:sp>
+        <p:nvSpPr>
+          <p:cNvPr id="70" name="Rectangle 69">
+            <a:extLst>
+              <a:ext uri="{FF2B5EF4-FFF2-40B4-BE49-F238E27FC236}">
+                <a16:creationId xmlns:a16="http://schemas.microsoft.com/office/drawing/2014/main" id="{3DF17BBE-C2D7-4014-B917-BC057F49AEAC}"/>
+              </a:ext>
+            </a:extLst>
+          </p:cNvPr>
+          <p:cNvSpPr/>
+          <p:nvPr/>
+        </p:nvSpPr>
+        <p:spPr>
+          <a:xfrm>
+            <a:off x="6389224" y="4624729"/>
+            <a:ext cx="360784" cy="317231"/>
+          </a:xfrm>
+          <a:prstGeom prst="rect">
+            <a:avLst/>
+          </a:prstGeom>
+        </p:spPr>
+        <p:style>
+          <a:lnRef idx="2">
+            <a:schemeClr val="accent1">
+              <a:shade val="50000"/>
+            </a:schemeClr>
+          </a:lnRef>
+          <a:fillRef idx="1">
+            <a:schemeClr val="accent1"/>
+          </a:fillRef>
+          <a:effectRef idx="0">
+            <a:schemeClr val="accent1"/>
+          </a:effectRef>
+          <a:fontRef idx="minor">
+            <a:schemeClr val="lt1"/>
+          </a:fontRef>
+        </p:style>
+        <p:txBody>
+          <a:bodyPr rtlCol="0" anchor="ctr"/>
+          <a:lstStyle/>
+          <a:p>
+            <a:pPr algn="ctr"/>
+            <a:r>
+              <a:rPr lang="en-US"/>
+              <a:t>F</a:t>
+            </a:r>
+          </a:p>
+        </p:txBody>
+      </p:sp>
+      <p:sp>
+        <p:nvSpPr>
+          <p:cNvPr id="71" name="Rectangle 70">
+            <a:extLst>
+              <a:ext uri="{FF2B5EF4-FFF2-40B4-BE49-F238E27FC236}">
+                <a16:creationId xmlns:a16="http://schemas.microsoft.com/office/drawing/2014/main" id="{EF054ACD-37A6-42D1-97B5-212E65F41D44}"/>
+              </a:ext>
+            </a:extLst>
+          </p:cNvPr>
+          <p:cNvSpPr/>
+          <p:nvPr/>
+        </p:nvSpPr>
+        <p:spPr>
+          <a:xfrm>
+            <a:off x="6922826" y="4624730"/>
+            <a:ext cx="360784" cy="317231"/>
+          </a:xfrm>
+          <a:prstGeom prst="rect">
+            <a:avLst/>
+          </a:prstGeom>
+        </p:spPr>
+        <p:style>
+          <a:lnRef idx="2">
+            <a:schemeClr val="accent1">
+              <a:shade val="50000"/>
+            </a:schemeClr>
+          </a:lnRef>
+          <a:fillRef idx="1">
+            <a:schemeClr val="accent1"/>
+          </a:fillRef>
+          <a:effectRef idx="0">
+            <a:schemeClr val="accent1"/>
+          </a:effectRef>
+          <a:fontRef idx="minor">
+            <a:schemeClr val="lt1"/>
+          </a:fontRef>
+        </p:style>
+        <p:txBody>
+          <a:bodyPr rtlCol="0" anchor="ctr"/>
+          <a:lstStyle/>
+          <a:p>
+            <a:pPr algn="ctr"/>
+            <a:r>
+              <a:rPr lang="en-US"/>
+              <a:t>G</a:t>
+            </a:r>
+          </a:p>
+        </p:txBody>
+      </p:sp>
+      <p:sp>
+        <p:nvSpPr>
+          <p:cNvPr id="72" name="TextBox 71">
+            <a:extLst>
+              <a:ext uri="{FF2B5EF4-FFF2-40B4-BE49-F238E27FC236}">
+                <a16:creationId xmlns:a16="http://schemas.microsoft.com/office/drawing/2014/main" id="{40FA7342-F5DB-4C0A-8809-10D2A7242553}"/>
+              </a:ext>
+            </a:extLst>
+          </p:cNvPr>
+          <p:cNvSpPr txBox="1"/>
+          <p:nvPr/>
+        </p:nvSpPr>
+        <p:spPr>
+          <a:xfrm>
+            <a:off x="6611275" y="5024733"/>
+            <a:ext cx="571375" cy="307777"/>
+          </a:xfrm>
+          <a:prstGeom prst="rect">
+            <a:avLst/>
+          </a:prstGeom>
+          <a:noFill/>
+        </p:spPr>
+        <p:txBody>
+          <a:bodyPr wrap="none" rtlCol="0">
+            <a:spAutoFit/>
+          </a:bodyPr>
+          <a:lstStyle/>
+          <a:p>
+            <a:r>
+              <a:rPr lang="en-US" sz="1400"/>
+              <a:t>Table</a:t>
+            </a:r>
+            <a:endParaRPr lang="en-US"/>
+          </a:p>
+        </p:txBody>
+      </p:sp>
+      <p:sp>
+        <p:nvSpPr>
+          <p:cNvPr id="73" name="TextBox 72">
+            <a:extLst>
+              <a:ext uri="{FF2B5EF4-FFF2-40B4-BE49-F238E27FC236}">
+                <a16:creationId xmlns:a16="http://schemas.microsoft.com/office/drawing/2014/main" id="{D5E01637-DF5F-4537-8B00-05919F98F2A9}"/>
+              </a:ext>
+            </a:extLst>
+          </p:cNvPr>
+          <p:cNvSpPr txBox="1"/>
+          <p:nvPr/>
+        </p:nvSpPr>
+        <p:spPr>
+          <a:xfrm>
+            <a:off x="8684376" y="5015391"/>
+            <a:ext cx="568810" cy="307777"/>
+          </a:xfrm>
+          <a:prstGeom prst="rect">
+            <a:avLst/>
+          </a:prstGeom>
+          <a:noFill/>
+        </p:spPr>
+        <p:txBody>
+          <a:bodyPr wrap="none" rtlCol="0">
+            <a:spAutoFit/>
+          </a:bodyPr>
+          <a:lstStyle/>
+          <a:p>
+            <a:r>
+              <a:rPr lang="en-US" sz="1400"/>
+              <a:t>Stack</a:t>
+            </a:r>
+            <a:endParaRPr lang="en-US"/>
+          </a:p>
+        </p:txBody>
+      </p:sp>
+      <p:sp>
+        <p:nvSpPr>
+          <p:cNvPr id="74" name="Rectangle 73">
+            <a:extLst>
+              <a:ext uri="{FF2B5EF4-FFF2-40B4-BE49-F238E27FC236}">
+                <a16:creationId xmlns:a16="http://schemas.microsoft.com/office/drawing/2014/main" id="{AE332AB5-16BB-43A8-8159-A4022B33568D}"/>
+              </a:ext>
+            </a:extLst>
+          </p:cNvPr>
+          <p:cNvSpPr/>
+          <p:nvPr/>
+        </p:nvSpPr>
+        <p:spPr>
+          <a:xfrm>
+            <a:off x="5894102" y="4623502"/>
+            <a:ext cx="360784" cy="317231"/>
+          </a:xfrm>
+          <a:prstGeom prst="rect">
+            <a:avLst/>
+          </a:prstGeom>
+        </p:spPr>
+        <p:style>
+          <a:lnRef idx="2">
+            <a:schemeClr val="accent1">
+              <a:shade val="50000"/>
+            </a:schemeClr>
+          </a:lnRef>
+          <a:fillRef idx="1">
+            <a:schemeClr val="accent1"/>
+          </a:fillRef>
+          <a:effectRef idx="0">
+            <a:schemeClr val="accent1"/>
+          </a:effectRef>
+          <a:fontRef idx="minor">
+            <a:schemeClr val="lt1"/>
+          </a:fontRef>
+        </p:style>
+        <p:txBody>
+          <a:bodyPr rtlCol="0" anchor="ctr"/>
+          <a:lstStyle/>
+          <a:p>
+            <a:pPr algn="ctr"/>
+            <a:r>
+              <a:rPr lang="en-US"/>
+              <a:t>E</a:t>
+            </a:r>
+          </a:p>
+        </p:txBody>
+      </p:sp>
+      <p:sp>
+        <p:nvSpPr>
+          <p:cNvPr id="75" name="Rectangle 74">
+            <a:extLst>
+              <a:ext uri="{FF2B5EF4-FFF2-40B4-BE49-F238E27FC236}">
+                <a16:creationId xmlns:a16="http://schemas.microsoft.com/office/drawing/2014/main" id="{FBAD7BC9-286C-4732-86D9-F2318C1E3C48}"/>
+              </a:ext>
+            </a:extLst>
+          </p:cNvPr>
+          <p:cNvSpPr/>
+          <p:nvPr/>
+        </p:nvSpPr>
+        <p:spPr>
+          <a:xfrm>
+            <a:off x="8788389" y="4601322"/>
+            <a:ext cx="360784" cy="317231"/>
+          </a:xfrm>
+          <a:prstGeom prst="rect">
+            <a:avLst/>
+          </a:prstGeom>
+        </p:spPr>
+        <p:style>
+          <a:lnRef idx="2">
+            <a:schemeClr val="accent1">
+              <a:shade val="50000"/>
+            </a:schemeClr>
+          </a:lnRef>
+          <a:fillRef idx="1">
+            <a:schemeClr val="accent1"/>
+          </a:fillRef>
+          <a:effectRef idx="0">
+            <a:schemeClr val="accent1"/>
+          </a:effectRef>
+          <a:fontRef idx="minor">
+            <a:schemeClr val="lt1"/>
+          </a:fontRef>
+        </p:style>
+        <p:txBody>
+          <a:bodyPr rtlCol="0" anchor="ctr"/>
+          <a:lstStyle/>
+          <a:p>
+            <a:pPr algn="ctr"/>
+            <a:r>
+              <a:rPr lang="en-US"/>
+              <a:t>A</a:t>
+            </a:r>
+          </a:p>
+        </p:txBody>
+      </p:sp>
+      <p:sp>
+        <p:nvSpPr>
+          <p:cNvPr id="2" name="TextBox 1">
+            <a:extLst>
+              <a:ext uri="{FF2B5EF4-FFF2-40B4-BE49-F238E27FC236}">
+                <a16:creationId xmlns:a16="http://schemas.microsoft.com/office/drawing/2014/main" id="{D4A636B8-9012-41F5-8266-6A9CD65C7D0F}"/>
+              </a:ext>
+            </a:extLst>
+          </p:cNvPr>
+          <p:cNvSpPr txBox="1"/>
+          <p:nvPr/>
+        </p:nvSpPr>
+        <p:spPr>
+          <a:xfrm>
+            <a:off x="646367" y="1040906"/>
+            <a:ext cx="710451" cy="369332"/>
+          </a:xfrm>
+          <a:prstGeom prst="rect">
+            <a:avLst/>
+          </a:prstGeom>
+          <a:noFill/>
+        </p:spPr>
+        <p:txBody>
+          <a:bodyPr wrap="none" rtlCol="0">
+            <a:spAutoFit/>
+          </a:bodyPr>
+          <a:lstStyle/>
+          <a:p>
+            <a:r>
+              <a:rPr lang="en-US"/>
+              <a:t>Initial</a:t>
+            </a:r>
+          </a:p>
+        </p:txBody>
+      </p:sp>
+      <p:sp>
+        <p:nvSpPr>
+          <p:cNvPr id="76" name="TextBox 75">
+            <a:extLst>
+              <a:ext uri="{FF2B5EF4-FFF2-40B4-BE49-F238E27FC236}">
+                <a16:creationId xmlns:a16="http://schemas.microsoft.com/office/drawing/2014/main" id="{A07AF7F5-0AF1-4CDC-B46D-F49E4F9EC969}"/>
+              </a:ext>
+            </a:extLst>
+          </p:cNvPr>
+          <p:cNvSpPr txBox="1"/>
+          <p:nvPr/>
+        </p:nvSpPr>
+        <p:spPr>
+          <a:xfrm>
+            <a:off x="646366" y="3599050"/>
+            <a:ext cx="710451" cy="369332"/>
+          </a:xfrm>
+          <a:prstGeom prst="rect">
+            <a:avLst/>
+          </a:prstGeom>
+          <a:noFill/>
+        </p:spPr>
+        <p:txBody>
+          <a:bodyPr wrap="none" rtlCol="0">
+            <a:spAutoFit/>
+          </a:bodyPr>
+          <a:lstStyle/>
+          <a:p>
+            <a:r>
+              <a:rPr lang="en-US"/>
+              <a:t>Initial</a:t>
+            </a:r>
+          </a:p>
+        </p:txBody>
+      </p:sp>
+      <p:sp>
+        <p:nvSpPr>
+          <p:cNvPr id="77" name="TextBox 76">
+            <a:extLst>
+              <a:ext uri="{FF2B5EF4-FFF2-40B4-BE49-F238E27FC236}">
+                <a16:creationId xmlns:a16="http://schemas.microsoft.com/office/drawing/2014/main" id="{F2B1E33B-2251-4BA3-86F4-47F911780070}"/>
+              </a:ext>
+            </a:extLst>
+          </p:cNvPr>
+          <p:cNvSpPr txBox="1"/>
+          <p:nvPr/>
+        </p:nvSpPr>
+        <p:spPr>
+          <a:xfrm>
+            <a:off x="5589966" y="1024334"/>
+            <a:ext cx="615874" cy="369332"/>
+          </a:xfrm>
+          <a:prstGeom prst="rect">
+            <a:avLst/>
+          </a:prstGeom>
+          <a:noFill/>
+        </p:spPr>
+        <p:txBody>
+          <a:bodyPr wrap="none" rtlCol="0">
+            <a:spAutoFit/>
+          </a:bodyPr>
+          <a:lstStyle/>
+          <a:p>
+            <a:r>
+              <a:rPr lang="en-US"/>
+              <a:t>Goal</a:t>
+            </a:r>
+          </a:p>
+        </p:txBody>
+      </p:sp>
+      <p:sp>
+        <p:nvSpPr>
+          <p:cNvPr id="78" name="TextBox 77">
+            <a:extLst>
+              <a:ext uri="{FF2B5EF4-FFF2-40B4-BE49-F238E27FC236}">
+                <a16:creationId xmlns:a16="http://schemas.microsoft.com/office/drawing/2014/main" id="{C62F5AA8-2458-4985-8675-136229885BA9}"/>
+              </a:ext>
+            </a:extLst>
+          </p:cNvPr>
+          <p:cNvSpPr txBox="1"/>
+          <p:nvPr/>
+        </p:nvSpPr>
+        <p:spPr>
+          <a:xfrm>
+            <a:off x="5622707" y="3611746"/>
+            <a:ext cx="615874" cy="369332"/>
+          </a:xfrm>
+          <a:prstGeom prst="rect">
+            <a:avLst/>
+          </a:prstGeom>
+          <a:noFill/>
+        </p:spPr>
+        <p:txBody>
+          <a:bodyPr wrap="none" rtlCol="0">
+            <a:spAutoFit/>
+          </a:bodyPr>
+          <a:lstStyle/>
+          <a:p>
+            <a:r>
+              <a:rPr lang="en-US"/>
+              <a:t>Goal</a:t>
+            </a:r>
           </a:p>
         </p:txBody>
       </p:sp>
